--- a/Topics I have Worked On So Far.pptx
+++ b/Topics I have Worked On So Far.pptx
@@ -239,7 +239,7 @@
           <a:p>
             <a:fld id="{F7ED3F69-2BE8-45EE-98D6-C9B08A457832}" type="datetimeFigureOut">
               <a:rPr lang="en-GB" smtClean="0"/>
-              <a:t>08/10/2024</a:t>
+              <a:t>05/11/2024</a:t>
             </a:fld>
             <a:endParaRPr lang="en-GB" dirty="0"/>
           </a:p>
@@ -14357,18 +14357,10 @@
           <a:p>
             <a:pPr lvl="0"/>
             <a:r>
-              <a:rPr lang="en-US" dirty="0">
-                <a:solidFill>
-                  <a:srgbClr val="FF0000"/>
-                </a:solidFill>
-              </a:rPr>
+              <a:rPr lang="en-US" dirty="0"/>
               <a:t>Import, Direct Query and live connection</a:t>
             </a:r>
-            <a:endParaRPr lang="en-IN" sz="1600" dirty="0">
-              <a:solidFill>
-                <a:srgbClr val="FF0000"/>
-              </a:solidFill>
-            </a:endParaRPr>
+            <a:endParaRPr lang="en-IN" dirty="0"/>
           </a:p>
           <a:p>
             <a:pPr lvl="0"/>
@@ -14376,7 +14368,7 @@
               <a:rPr lang="en-US" dirty="0"/>
               <a:t>Query Editor Overview</a:t>
             </a:r>
-            <a:endParaRPr lang="en-IN" sz="1600" dirty="0"/>
+            <a:endParaRPr lang="en-IN" dirty="0"/>
           </a:p>
           <a:p>
             <a:pPr lvl="0"/>
@@ -14420,50 +14412,26 @@
           <a:p>
             <a:pPr lvl="1"/>
             <a:r>
-              <a:rPr lang="en-US" b="1" dirty="0">
-                <a:solidFill>
-                  <a:srgbClr val="00B0F0"/>
-                </a:solidFill>
-              </a:rPr>
+              <a:rPr lang="en-US" sz="1200" dirty="0"/>
               <a:t>Merging Datasets</a:t>
             </a:r>
-            <a:endParaRPr lang="en-IN" sz="1400" b="1" dirty="0">
-              <a:solidFill>
-                <a:srgbClr val="00B0F0"/>
-              </a:solidFill>
-            </a:endParaRPr>
+            <a:endParaRPr lang="en-IN" sz="1200" dirty="0"/>
           </a:p>
           <a:p>
             <a:pPr lvl="1"/>
             <a:r>
-              <a:rPr lang="en-US" dirty="0">
-                <a:solidFill>
-                  <a:srgbClr val="00B0F0"/>
-                </a:solidFill>
-              </a:rPr>
+              <a:rPr lang="en-US" sz="1200" dirty="0"/>
               <a:t>Unpivoting Data</a:t>
             </a:r>
-            <a:endParaRPr lang="en-IN" sz="1400" dirty="0">
-              <a:solidFill>
-                <a:srgbClr val="00B0F0"/>
-              </a:solidFill>
-            </a:endParaRPr>
+            <a:endParaRPr lang="en-IN" sz="1200" dirty="0"/>
           </a:p>
           <a:p>
             <a:pPr lvl="1"/>
             <a:r>
-              <a:rPr lang="en-US" dirty="0">
-                <a:solidFill>
-                  <a:srgbClr val="00B0F0"/>
-                </a:solidFill>
-              </a:rPr>
+              <a:rPr lang="en-US" sz="1200" dirty="0"/>
               <a:t>Combining Files from a Folder</a:t>
             </a:r>
-            <a:endParaRPr lang="en-IN" sz="1400" dirty="0">
-              <a:solidFill>
-                <a:srgbClr val="00B0F0"/>
-              </a:solidFill>
-            </a:endParaRPr>
+            <a:endParaRPr lang="en-IN" sz="1200" dirty="0"/>
           </a:p>
           <a:p>
             <a:pPr lvl="1"/>
@@ -14501,8 +14469,8 @@
         </p:nvSpPr>
         <p:spPr>
           <a:xfrm>
-            <a:off x="7620000" y="1514477"/>
-            <a:ext cx="3600449" cy="4571999"/>
+            <a:off x="7619999" y="1507809"/>
+            <a:ext cx="3600449" cy="4972048"/>
           </a:xfrm>
           <a:prstGeom prst="rect">
             <a:avLst/>
@@ -14722,27 +14690,15 @@
           <a:p>
             <a:pPr lvl="0"/>
             <a:r>
-              <a:rPr lang="en-US" dirty="0">
-                <a:solidFill>
-                  <a:srgbClr val="FF0000"/>
-                </a:solidFill>
-              </a:rPr>
+              <a:rPr lang="en-US" dirty="0"/>
               <a:t>Using a Dynamic Fiscal Calendar Table</a:t>
             </a:r>
-            <a:endParaRPr lang="en-IN" sz="1600" dirty="0">
-              <a:solidFill>
-                <a:srgbClr val="FF0000"/>
-              </a:solidFill>
-            </a:endParaRPr>
+            <a:endParaRPr lang="en-IN" dirty="0"/>
           </a:p>
           <a:p>
             <a:pPr lvl="0"/>
             <a:r>
-              <a:rPr lang="en-US" dirty="0">
-                <a:solidFill>
-                  <a:srgbClr val="FF0000"/>
-                </a:solidFill>
-              </a:rPr>
+              <a:rPr lang="en-US" dirty="0"/>
               <a:t>Creating &amp; Using Parameters</a:t>
             </a:r>
           </a:p>
@@ -14821,11 +14777,7 @@
           <a:p>
             <a:pPr lvl="0"/>
             <a:r>
-              <a:rPr lang="en-US" dirty="0">
-                <a:solidFill>
-                  <a:srgbClr val="FF0000"/>
-                </a:solidFill>
-              </a:rPr>
+              <a:rPr lang="en-US" dirty="0"/>
               <a:t>Optimizing Q&amp;A - Creating Data Synonyms</a:t>
             </a:r>
           </a:p>
@@ -14881,42 +14833,26 @@
           <a:p>
             <a:pPr lvl="0"/>
             <a:r>
-              <a:rPr lang="en-US" dirty="0">
-                <a:solidFill>
-                  <a:srgbClr val="FF0000"/>
-                </a:solidFill>
-              </a:rPr>
+              <a:rPr lang="en-US" dirty="0"/>
               <a:t>Implicit  Vs Explicit Measures</a:t>
             </a:r>
-            <a:endParaRPr lang="en-IN" sz="1600" dirty="0">
-              <a:solidFill>
-                <a:srgbClr val="FF0000"/>
-              </a:solidFill>
-            </a:endParaRPr>
+            <a:endParaRPr lang="en-IN" dirty="0"/>
           </a:p>
           <a:p>
             <a:pPr lvl="0"/>
             <a:r>
-              <a:rPr lang="en-US" dirty="0">
-                <a:solidFill>
-                  <a:srgbClr val="FF0000"/>
-                </a:solidFill>
-              </a:rPr>
+              <a:rPr lang="en-US" dirty="0"/>
               <a:t>Creating Calculated Measures &amp; Calculated Columns</a:t>
             </a:r>
-            <a:endParaRPr lang="en-IN" sz="1600" dirty="0">
-              <a:solidFill>
-                <a:srgbClr val="FF0000"/>
-              </a:solidFill>
-            </a:endParaRPr>
+            <a:endParaRPr lang="en-IN" dirty="0"/>
           </a:p>
           <a:p>
             <a:pPr lvl="1"/>
             <a:r>
-              <a:rPr lang="en-US" dirty="0"/>
+              <a:rPr lang="en-US" sz="1200" dirty="0"/>
               <a:t>Understanding Base Measures &amp; Metrics</a:t>
             </a:r>
-            <a:endParaRPr lang="en-IN" sz="1400" dirty="0"/>
+            <a:endParaRPr lang="en-IN" sz="1200" dirty="0"/>
           </a:p>
           <a:p>
             <a:pPr lvl="0"/>
@@ -15107,9 +15043,13 @@
             <a:pPr lvl="1"/>
             <a:r>
               <a:rPr lang="en-US" dirty="0"/>
-              <a:t>Using the Blank() Function</a:t>
-            </a:r>
-            <a:endParaRPr lang="en-IN" sz="1400" dirty="0"/>
+              <a:t>Using the Blank() Function and other </a:t>
+            </a:r>
+            <a:r>
+              <a:rPr lang="en-US" b="1" dirty="0"/>
+              <a:t>DAX functions</a:t>
+            </a:r>
+            <a:endParaRPr lang="en-IN" sz="1400" b="1" dirty="0"/>
           </a:p>
           <a:p>
             <a:pPr lvl="0"/>
